--- a/Apresentação Acidentes Brasil.pptx
+++ b/Apresentação Acidentes Brasil.pptx
@@ -5,7 +5,7 @@
     <p:sldMasterId id="2147483659" r:id="rId1"/>
   </p:sldMasterIdLst>
   <p:notesMasterIdLst>
-    <p:notesMasterId r:id="rId15"/>
+    <p:notesMasterId r:id="rId19"/>
   </p:notesMasterIdLst>
   <p:sldIdLst>
     <p:sldId id="256" r:id="rId2"/>
@@ -20,14 +20,18 @@
     <p:sldId id="271" r:id="rId11"/>
     <p:sldId id="272" r:id="rId12"/>
     <p:sldId id="273" r:id="rId13"/>
-    <p:sldId id="263" r:id="rId14"/>
+    <p:sldId id="274" r:id="rId14"/>
+    <p:sldId id="275" r:id="rId15"/>
+    <p:sldId id="276" r:id="rId16"/>
+    <p:sldId id="277" r:id="rId17"/>
+    <p:sldId id="263" r:id="rId18"/>
   </p:sldIdLst>
   <p:sldSz cx="18288000" cy="10287000"/>
   <p:notesSz cx="6858000" cy="9144000"/>
   <p:embeddedFontLst>
     <p:embeddedFont>
       <p:font typeface="Arial Black" panose="020B0A04020102020204" pitchFamily="34" charset="0"/>
-      <p:bold r:id="rId16"/>
+      <p:bold r:id="rId20"/>
     </p:embeddedFont>
   </p:embeddedFontLst>
   <p:defaultTextStyle>
@@ -2058,6 +2062,514 @@
 </file>
 
 <file path=ppt/notesSlides/notesSlide13.xml><?xml version="1.0" encoding="utf-8"?>
+<p:notes xmlns:a="http://schemas.openxmlformats.org/drawingml/2006/main" xmlns:r="http://schemas.openxmlformats.org/officeDocument/2006/relationships" xmlns:p="http://schemas.openxmlformats.org/presentationml/2006/main" showMasterSp="0" showMasterPhAnim="0">
+  <p:cSld>
+    <p:spTree>
+      <p:nvGrpSpPr>
+        <p:cNvPr id="1" name="Shape 102">
+          <a:extLst>
+            <a:ext uri="{FF2B5EF4-FFF2-40B4-BE49-F238E27FC236}">
+              <a16:creationId xmlns:a16="http://schemas.microsoft.com/office/drawing/2014/main" id="{1A1104A7-9CF2-7CCD-BAC2-F6803E794084}"/>
+            </a:ext>
+          </a:extLst>
+        </p:cNvPr>
+        <p:cNvGrpSpPr/>
+        <p:nvPr/>
+      </p:nvGrpSpPr>
+      <p:grpSpPr>
+        <a:xfrm>
+          <a:off x="0" y="0"/>
+          <a:ext cx="0" cy="0"/>
+          <a:chOff x="0" y="0"/>
+          <a:chExt cx="0" cy="0"/>
+        </a:xfrm>
+      </p:grpSpPr>
+      <p:sp>
+        <p:nvSpPr>
+          <p:cNvPr id="103" name="Google Shape;103;p2:notes">
+            <a:extLst>
+              <a:ext uri="{FF2B5EF4-FFF2-40B4-BE49-F238E27FC236}">
+                <a16:creationId xmlns:a16="http://schemas.microsoft.com/office/drawing/2014/main" id="{85BA895D-0520-97ED-9CD8-673F1A205890}"/>
+              </a:ext>
+            </a:extLst>
+          </p:cNvPr>
+          <p:cNvSpPr txBox="1">
+            <a:spLocks noGrp="1"/>
+          </p:cNvSpPr>
+          <p:nvPr>
+            <p:ph type="body" idx="1"/>
+          </p:nvPr>
+        </p:nvSpPr>
+        <p:spPr>
+          <a:xfrm>
+            <a:off x="685800" y="4400550"/>
+            <a:ext cx="5486400" cy="3600450"/>
+          </a:xfrm>
+          <a:prstGeom prst="rect">
+            <a:avLst/>
+          </a:prstGeom>
+        </p:spPr>
+        <p:txBody>
+          <a:bodyPr spcFirstLastPara="1" wrap="square" lIns="91425" tIns="45700" rIns="91425" bIns="45700" anchor="t" anchorCtr="0">
+            <a:noAutofit/>
+          </a:bodyPr>
+          <a:lstStyle/>
+          <a:p>
+            <a:pPr marL="0" lvl="0" indent="0" algn="l" rtl="0">
+              <a:spcBef>
+                <a:spcPts val="0"/>
+              </a:spcBef>
+              <a:spcAft>
+                <a:spcPts val="0"/>
+              </a:spcAft>
+              <a:buNone/>
+            </a:pPr>
+            <a:endParaRPr/>
+          </a:p>
+        </p:txBody>
+      </p:sp>
+      <p:sp>
+        <p:nvSpPr>
+          <p:cNvPr id="104" name="Google Shape;104;p2:notes">
+            <a:extLst>
+              <a:ext uri="{FF2B5EF4-FFF2-40B4-BE49-F238E27FC236}">
+                <a16:creationId xmlns:a16="http://schemas.microsoft.com/office/drawing/2014/main" id="{556E12C3-3D19-640F-8234-6C847B7E558F}"/>
+              </a:ext>
+            </a:extLst>
+          </p:cNvPr>
+          <p:cNvSpPr>
+            <a:spLocks noGrp="1" noRot="1" noChangeAspect="1"/>
+          </p:cNvSpPr>
+          <p:nvPr>
+            <p:ph type="sldImg" idx="2"/>
+          </p:nvPr>
+        </p:nvSpPr>
+        <p:spPr>
+          <a:xfrm>
+            <a:off x="685800" y="1143000"/>
+            <a:ext cx="5486400" cy="3086100"/>
+          </a:xfrm>
+          <a:custGeom>
+            <a:avLst/>
+            <a:gdLst/>
+            <a:ahLst/>
+            <a:cxnLst/>
+            <a:rect l="l" t="t" r="r" b="b"/>
+            <a:pathLst>
+              <a:path w="120000" h="120000" extrusionOk="0">
+                <a:moveTo>
+                  <a:pt x="0" y="0"/>
+                </a:moveTo>
+                <a:lnTo>
+                  <a:pt x="120000" y="0"/>
+                </a:lnTo>
+                <a:lnTo>
+                  <a:pt x="120000" y="120000"/>
+                </a:lnTo>
+                <a:lnTo>
+                  <a:pt x="0" y="120000"/>
+                </a:lnTo>
+                <a:close/>
+              </a:path>
+            </a:pathLst>
+          </a:custGeom>
+        </p:spPr>
+      </p:sp>
+    </p:spTree>
+    <p:extLst>
+      <p:ext uri="{BB962C8B-B14F-4D97-AF65-F5344CB8AC3E}">
+        <p14:creationId xmlns:p14="http://schemas.microsoft.com/office/powerpoint/2010/main" val="346992606"/>
+      </p:ext>
+    </p:extLst>
+  </p:cSld>
+  <p:clrMapOvr>
+    <a:masterClrMapping/>
+  </p:clrMapOvr>
+</p:notes>
+</file>
+
+<file path=ppt/notesSlides/notesSlide14.xml><?xml version="1.0" encoding="utf-8"?>
+<p:notes xmlns:a="http://schemas.openxmlformats.org/drawingml/2006/main" xmlns:r="http://schemas.openxmlformats.org/officeDocument/2006/relationships" xmlns:p="http://schemas.openxmlformats.org/presentationml/2006/main" showMasterSp="0" showMasterPhAnim="0">
+  <p:cSld>
+    <p:spTree>
+      <p:nvGrpSpPr>
+        <p:cNvPr id="1" name="Shape 102">
+          <a:extLst>
+            <a:ext uri="{FF2B5EF4-FFF2-40B4-BE49-F238E27FC236}">
+              <a16:creationId xmlns:a16="http://schemas.microsoft.com/office/drawing/2014/main" id="{2D64E877-2D15-0018-4998-CFB67394836F}"/>
+            </a:ext>
+          </a:extLst>
+        </p:cNvPr>
+        <p:cNvGrpSpPr/>
+        <p:nvPr/>
+      </p:nvGrpSpPr>
+      <p:grpSpPr>
+        <a:xfrm>
+          <a:off x="0" y="0"/>
+          <a:ext cx="0" cy="0"/>
+          <a:chOff x="0" y="0"/>
+          <a:chExt cx="0" cy="0"/>
+        </a:xfrm>
+      </p:grpSpPr>
+      <p:sp>
+        <p:nvSpPr>
+          <p:cNvPr id="103" name="Google Shape;103;p2:notes">
+            <a:extLst>
+              <a:ext uri="{FF2B5EF4-FFF2-40B4-BE49-F238E27FC236}">
+                <a16:creationId xmlns:a16="http://schemas.microsoft.com/office/drawing/2014/main" id="{3C3651CF-A762-F8AA-D339-98077EB8CF18}"/>
+              </a:ext>
+            </a:extLst>
+          </p:cNvPr>
+          <p:cNvSpPr txBox="1">
+            <a:spLocks noGrp="1"/>
+          </p:cNvSpPr>
+          <p:nvPr>
+            <p:ph type="body" idx="1"/>
+          </p:nvPr>
+        </p:nvSpPr>
+        <p:spPr>
+          <a:xfrm>
+            <a:off x="685800" y="4400550"/>
+            <a:ext cx="5486400" cy="3600450"/>
+          </a:xfrm>
+          <a:prstGeom prst="rect">
+            <a:avLst/>
+          </a:prstGeom>
+        </p:spPr>
+        <p:txBody>
+          <a:bodyPr spcFirstLastPara="1" wrap="square" lIns="91425" tIns="45700" rIns="91425" bIns="45700" anchor="t" anchorCtr="0">
+            <a:noAutofit/>
+          </a:bodyPr>
+          <a:lstStyle/>
+          <a:p>
+            <a:pPr marL="0" lvl="0" indent="0" algn="l" rtl="0">
+              <a:spcBef>
+                <a:spcPts val="0"/>
+              </a:spcBef>
+              <a:spcAft>
+                <a:spcPts val="0"/>
+              </a:spcAft>
+              <a:buNone/>
+            </a:pPr>
+            <a:endParaRPr/>
+          </a:p>
+        </p:txBody>
+      </p:sp>
+      <p:sp>
+        <p:nvSpPr>
+          <p:cNvPr id="104" name="Google Shape;104;p2:notes">
+            <a:extLst>
+              <a:ext uri="{FF2B5EF4-FFF2-40B4-BE49-F238E27FC236}">
+                <a16:creationId xmlns:a16="http://schemas.microsoft.com/office/drawing/2014/main" id="{2612CDDC-1A50-2209-4EF3-E9656F0F11FE}"/>
+              </a:ext>
+            </a:extLst>
+          </p:cNvPr>
+          <p:cNvSpPr>
+            <a:spLocks noGrp="1" noRot="1" noChangeAspect="1"/>
+          </p:cNvSpPr>
+          <p:nvPr>
+            <p:ph type="sldImg" idx="2"/>
+          </p:nvPr>
+        </p:nvSpPr>
+        <p:spPr>
+          <a:xfrm>
+            <a:off x="685800" y="1143000"/>
+            <a:ext cx="5486400" cy="3086100"/>
+          </a:xfrm>
+          <a:custGeom>
+            <a:avLst/>
+            <a:gdLst/>
+            <a:ahLst/>
+            <a:cxnLst/>
+            <a:rect l="l" t="t" r="r" b="b"/>
+            <a:pathLst>
+              <a:path w="120000" h="120000" extrusionOk="0">
+                <a:moveTo>
+                  <a:pt x="0" y="0"/>
+                </a:moveTo>
+                <a:lnTo>
+                  <a:pt x="120000" y="0"/>
+                </a:lnTo>
+                <a:lnTo>
+                  <a:pt x="120000" y="120000"/>
+                </a:lnTo>
+                <a:lnTo>
+                  <a:pt x="0" y="120000"/>
+                </a:lnTo>
+                <a:close/>
+              </a:path>
+            </a:pathLst>
+          </a:custGeom>
+        </p:spPr>
+      </p:sp>
+    </p:spTree>
+    <p:extLst>
+      <p:ext uri="{BB962C8B-B14F-4D97-AF65-F5344CB8AC3E}">
+        <p14:creationId xmlns:p14="http://schemas.microsoft.com/office/powerpoint/2010/main" val="2022079925"/>
+      </p:ext>
+    </p:extLst>
+  </p:cSld>
+  <p:clrMapOvr>
+    <a:masterClrMapping/>
+  </p:clrMapOvr>
+</p:notes>
+</file>
+
+<file path=ppt/notesSlides/notesSlide15.xml><?xml version="1.0" encoding="utf-8"?>
+<p:notes xmlns:a="http://schemas.openxmlformats.org/drawingml/2006/main" xmlns:r="http://schemas.openxmlformats.org/officeDocument/2006/relationships" xmlns:p="http://schemas.openxmlformats.org/presentationml/2006/main" showMasterSp="0" showMasterPhAnim="0">
+  <p:cSld>
+    <p:spTree>
+      <p:nvGrpSpPr>
+        <p:cNvPr id="1" name="Shape 102">
+          <a:extLst>
+            <a:ext uri="{FF2B5EF4-FFF2-40B4-BE49-F238E27FC236}">
+              <a16:creationId xmlns:a16="http://schemas.microsoft.com/office/drawing/2014/main" id="{76B3FEAE-C505-2697-00AB-3EC7E3760D6D}"/>
+            </a:ext>
+          </a:extLst>
+        </p:cNvPr>
+        <p:cNvGrpSpPr/>
+        <p:nvPr/>
+      </p:nvGrpSpPr>
+      <p:grpSpPr>
+        <a:xfrm>
+          <a:off x="0" y="0"/>
+          <a:ext cx="0" cy="0"/>
+          <a:chOff x="0" y="0"/>
+          <a:chExt cx="0" cy="0"/>
+        </a:xfrm>
+      </p:grpSpPr>
+      <p:sp>
+        <p:nvSpPr>
+          <p:cNvPr id="103" name="Google Shape;103;p2:notes">
+            <a:extLst>
+              <a:ext uri="{FF2B5EF4-FFF2-40B4-BE49-F238E27FC236}">
+                <a16:creationId xmlns:a16="http://schemas.microsoft.com/office/drawing/2014/main" id="{C2579595-21DF-F00E-EFF9-371FEFB10964}"/>
+              </a:ext>
+            </a:extLst>
+          </p:cNvPr>
+          <p:cNvSpPr txBox="1">
+            <a:spLocks noGrp="1"/>
+          </p:cNvSpPr>
+          <p:nvPr>
+            <p:ph type="body" idx="1"/>
+          </p:nvPr>
+        </p:nvSpPr>
+        <p:spPr>
+          <a:xfrm>
+            <a:off x="685800" y="4400550"/>
+            <a:ext cx="5486400" cy="3600450"/>
+          </a:xfrm>
+          <a:prstGeom prst="rect">
+            <a:avLst/>
+          </a:prstGeom>
+        </p:spPr>
+        <p:txBody>
+          <a:bodyPr spcFirstLastPara="1" wrap="square" lIns="91425" tIns="45700" rIns="91425" bIns="45700" anchor="t" anchorCtr="0">
+            <a:noAutofit/>
+          </a:bodyPr>
+          <a:lstStyle/>
+          <a:p>
+            <a:pPr marL="0" lvl="0" indent="0" algn="l" rtl="0">
+              <a:spcBef>
+                <a:spcPts val="0"/>
+              </a:spcBef>
+              <a:spcAft>
+                <a:spcPts val="0"/>
+              </a:spcAft>
+              <a:buNone/>
+            </a:pPr>
+            <a:endParaRPr/>
+          </a:p>
+        </p:txBody>
+      </p:sp>
+      <p:sp>
+        <p:nvSpPr>
+          <p:cNvPr id="104" name="Google Shape;104;p2:notes">
+            <a:extLst>
+              <a:ext uri="{FF2B5EF4-FFF2-40B4-BE49-F238E27FC236}">
+                <a16:creationId xmlns:a16="http://schemas.microsoft.com/office/drawing/2014/main" id="{5BF80362-EC10-535B-DC28-A4DF7E5BCB62}"/>
+              </a:ext>
+            </a:extLst>
+          </p:cNvPr>
+          <p:cNvSpPr>
+            <a:spLocks noGrp="1" noRot="1" noChangeAspect="1"/>
+          </p:cNvSpPr>
+          <p:nvPr>
+            <p:ph type="sldImg" idx="2"/>
+          </p:nvPr>
+        </p:nvSpPr>
+        <p:spPr>
+          <a:xfrm>
+            <a:off x="685800" y="1143000"/>
+            <a:ext cx="5486400" cy="3086100"/>
+          </a:xfrm>
+          <a:custGeom>
+            <a:avLst/>
+            <a:gdLst/>
+            <a:ahLst/>
+            <a:cxnLst/>
+            <a:rect l="l" t="t" r="r" b="b"/>
+            <a:pathLst>
+              <a:path w="120000" h="120000" extrusionOk="0">
+                <a:moveTo>
+                  <a:pt x="0" y="0"/>
+                </a:moveTo>
+                <a:lnTo>
+                  <a:pt x="120000" y="0"/>
+                </a:lnTo>
+                <a:lnTo>
+                  <a:pt x="120000" y="120000"/>
+                </a:lnTo>
+                <a:lnTo>
+                  <a:pt x="0" y="120000"/>
+                </a:lnTo>
+                <a:close/>
+              </a:path>
+            </a:pathLst>
+          </a:custGeom>
+        </p:spPr>
+      </p:sp>
+    </p:spTree>
+    <p:extLst>
+      <p:ext uri="{BB962C8B-B14F-4D97-AF65-F5344CB8AC3E}">
+        <p14:creationId xmlns:p14="http://schemas.microsoft.com/office/powerpoint/2010/main" val="2581881815"/>
+      </p:ext>
+    </p:extLst>
+  </p:cSld>
+  <p:clrMapOvr>
+    <a:masterClrMapping/>
+  </p:clrMapOvr>
+</p:notes>
+</file>
+
+<file path=ppt/notesSlides/notesSlide16.xml><?xml version="1.0" encoding="utf-8"?>
+<p:notes xmlns:a="http://schemas.openxmlformats.org/drawingml/2006/main" xmlns:r="http://schemas.openxmlformats.org/officeDocument/2006/relationships" xmlns:p="http://schemas.openxmlformats.org/presentationml/2006/main" showMasterSp="0" showMasterPhAnim="0">
+  <p:cSld>
+    <p:spTree>
+      <p:nvGrpSpPr>
+        <p:cNvPr id="1" name="Shape 102">
+          <a:extLst>
+            <a:ext uri="{FF2B5EF4-FFF2-40B4-BE49-F238E27FC236}">
+              <a16:creationId xmlns:a16="http://schemas.microsoft.com/office/drawing/2014/main" id="{B2223FCC-35E1-B38E-4331-47069ACD62B4}"/>
+            </a:ext>
+          </a:extLst>
+        </p:cNvPr>
+        <p:cNvGrpSpPr/>
+        <p:nvPr/>
+      </p:nvGrpSpPr>
+      <p:grpSpPr>
+        <a:xfrm>
+          <a:off x="0" y="0"/>
+          <a:ext cx="0" cy="0"/>
+          <a:chOff x="0" y="0"/>
+          <a:chExt cx="0" cy="0"/>
+        </a:xfrm>
+      </p:grpSpPr>
+      <p:sp>
+        <p:nvSpPr>
+          <p:cNvPr id="103" name="Google Shape;103;p2:notes">
+            <a:extLst>
+              <a:ext uri="{FF2B5EF4-FFF2-40B4-BE49-F238E27FC236}">
+                <a16:creationId xmlns:a16="http://schemas.microsoft.com/office/drawing/2014/main" id="{668F87F3-B2E9-06B9-7D55-80065FD51790}"/>
+              </a:ext>
+            </a:extLst>
+          </p:cNvPr>
+          <p:cNvSpPr txBox="1">
+            <a:spLocks noGrp="1"/>
+          </p:cNvSpPr>
+          <p:nvPr>
+            <p:ph type="body" idx="1"/>
+          </p:nvPr>
+        </p:nvSpPr>
+        <p:spPr>
+          <a:xfrm>
+            <a:off x="685800" y="4400550"/>
+            <a:ext cx="5486400" cy="3600450"/>
+          </a:xfrm>
+          <a:prstGeom prst="rect">
+            <a:avLst/>
+          </a:prstGeom>
+        </p:spPr>
+        <p:txBody>
+          <a:bodyPr spcFirstLastPara="1" wrap="square" lIns="91425" tIns="45700" rIns="91425" bIns="45700" anchor="t" anchorCtr="0">
+            <a:noAutofit/>
+          </a:bodyPr>
+          <a:lstStyle/>
+          <a:p>
+            <a:pPr marL="0" lvl="0" indent="0" algn="l" rtl="0">
+              <a:spcBef>
+                <a:spcPts val="0"/>
+              </a:spcBef>
+              <a:spcAft>
+                <a:spcPts val="0"/>
+              </a:spcAft>
+              <a:buNone/>
+            </a:pPr>
+            <a:endParaRPr/>
+          </a:p>
+        </p:txBody>
+      </p:sp>
+      <p:sp>
+        <p:nvSpPr>
+          <p:cNvPr id="104" name="Google Shape;104;p2:notes">
+            <a:extLst>
+              <a:ext uri="{FF2B5EF4-FFF2-40B4-BE49-F238E27FC236}">
+                <a16:creationId xmlns:a16="http://schemas.microsoft.com/office/drawing/2014/main" id="{5DE96ADD-5CCC-A805-4738-867E06C9336D}"/>
+              </a:ext>
+            </a:extLst>
+          </p:cNvPr>
+          <p:cNvSpPr>
+            <a:spLocks noGrp="1" noRot="1" noChangeAspect="1"/>
+          </p:cNvSpPr>
+          <p:nvPr>
+            <p:ph type="sldImg" idx="2"/>
+          </p:nvPr>
+        </p:nvSpPr>
+        <p:spPr>
+          <a:xfrm>
+            <a:off x="685800" y="1143000"/>
+            <a:ext cx="5486400" cy="3086100"/>
+          </a:xfrm>
+          <a:custGeom>
+            <a:avLst/>
+            <a:gdLst/>
+            <a:ahLst/>
+            <a:cxnLst/>
+            <a:rect l="l" t="t" r="r" b="b"/>
+            <a:pathLst>
+              <a:path w="120000" h="120000" extrusionOk="0">
+                <a:moveTo>
+                  <a:pt x="0" y="0"/>
+                </a:moveTo>
+                <a:lnTo>
+                  <a:pt x="120000" y="0"/>
+                </a:lnTo>
+                <a:lnTo>
+                  <a:pt x="120000" y="120000"/>
+                </a:lnTo>
+                <a:lnTo>
+                  <a:pt x="0" y="120000"/>
+                </a:lnTo>
+                <a:close/>
+              </a:path>
+            </a:pathLst>
+          </a:custGeom>
+        </p:spPr>
+      </p:sp>
+    </p:spTree>
+    <p:extLst>
+      <p:ext uri="{BB962C8B-B14F-4D97-AF65-F5344CB8AC3E}">
+        <p14:creationId xmlns:p14="http://schemas.microsoft.com/office/powerpoint/2010/main" val="2889020009"/>
+      </p:ext>
+    </p:extLst>
+  </p:cSld>
+  <p:clrMapOvr>
+    <a:masterClrMapping/>
+  </p:clrMapOvr>
+</p:notes>
+</file>
+
+<file path=ppt/notesSlides/notesSlide17.xml><?xml version="1.0" encoding="utf-8"?>
 <p:notes xmlns:a="http://schemas.openxmlformats.org/drawingml/2006/main" xmlns:r="http://schemas.openxmlformats.org/officeDocument/2006/relationships" xmlns:p="http://schemas.openxmlformats.org/presentationml/2006/main" showMasterSp="0" showMasterPhAnim="0">
   <p:cSld>
     <p:spTree>
@@ -14051,13 +14563,13 @@
           <a:p>
             <a:r>
               <a:rPr lang="pt-BR" sz="2800" dirty="0"/>
-              <a:t>Meses com maior incidência: </a:t>
+              <a:t>Exibe concentração nacional</a:t>
             </a:r>
           </a:p>
           <a:p>
             <a:r>
               <a:rPr lang="pt-BR" sz="2800" dirty="0"/>
-              <a:t>Final do Ano sempre tem um pico de Acidentes</a:t>
+              <a:t>Regiões com densidade mais elevada</a:t>
             </a:r>
           </a:p>
         </p:txBody>
@@ -14106,6 +14618,1079 @@
 </file>
 
 <file path=ppt/slides/slide13.xml><?xml version="1.0" encoding="utf-8"?>
+<p:sld xmlns:a="http://schemas.openxmlformats.org/drawingml/2006/main" xmlns:r="http://schemas.openxmlformats.org/officeDocument/2006/relationships" xmlns:p="http://schemas.openxmlformats.org/presentationml/2006/main">
+  <p:cSld>
+    <p:spTree>
+      <p:nvGrpSpPr>
+        <p:cNvPr id="1" name="Shape 105">
+          <a:extLst>
+            <a:ext uri="{FF2B5EF4-FFF2-40B4-BE49-F238E27FC236}">
+              <a16:creationId xmlns:a16="http://schemas.microsoft.com/office/drawing/2014/main" id="{BE5A2373-736C-F9CC-F6BD-069FF2F1B996}"/>
+            </a:ext>
+          </a:extLst>
+        </p:cNvPr>
+        <p:cNvGrpSpPr/>
+        <p:nvPr/>
+      </p:nvGrpSpPr>
+      <p:grpSpPr>
+        <a:xfrm>
+          <a:off x="0" y="0"/>
+          <a:ext cx="0" cy="0"/>
+          <a:chOff x="0" y="0"/>
+          <a:chExt cx="0" cy="0"/>
+        </a:xfrm>
+      </p:grpSpPr>
+      <p:pic>
+        <p:nvPicPr>
+          <p:cNvPr id="109" name="Google Shape;109;p14">
+            <a:extLst>
+              <a:ext uri="{FF2B5EF4-FFF2-40B4-BE49-F238E27FC236}">
+                <a16:creationId xmlns:a16="http://schemas.microsoft.com/office/drawing/2014/main" id="{FE2A2E29-3C8C-76D5-64E9-750D43C8DD60}"/>
+              </a:ext>
+            </a:extLst>
+          </p:cNvPr>
+          <p:cNvPicPr preferRelativeResize="0"/>
+          <p:nvPr/>
+        </p:nvPicPr>
+        <p:blipFill rotWithShape="1">
+          <a:blip r:embed="rId3">
+            <a:alphaModFix/>
+          </a:blip>
+          <a:srcRect/>
+          <a:stretch/>
+        </p:blipFill>
+        <p:spPr>
+          <a:xfrm>
+            <a:off x="16078200" y="132331"/>
+            <a:ext cx="1977483" cy="1684851"/>
+          </a:xfrm>
+          <a:prstGeom prst="rect">
+            <a:avLst/>
+          </a:prstGeom>
+          <a:noFill/>
+          <a:ln>
+            <a:noFill/>
+          </a:ln>
+        </p:spPr>
+      </p:pic>
+      <p:sp>
+        <p:nvSpPr>
+          <p:cNvPr id="113" name="Google Shape;113;p14">
+            <a:extLst>
+              <a:ext uri="{FF2B5EF4-FFF2-40B4-BE49-F238E27FC236}">
+                <a16:creationId xmlns:a16="http://schemas.microsoft.com/office/drawing/2014/main" id="{6A5733AF-F8DF-0593-87C6-1DB62E6164E5}"/>
+              </a:ext>
+            </a:extLst>
+          </p:cNvPr>
+          <p:cNvSpPr txBox="1"/>
+          <p:nvPr/>
+        </p:nvSpPr>
+        <p:spPr>
+          <a:xfrm>
+            <a:off x="152400" y="9944100"/>
+            <a:ext cx="6899312" cy="258532"/>
+          </a:xfrm>
+          <a:prstGeom prst="rect">
+            <a:avLst/>
+          </a:prstGeom>
+          <a:noFill/>
+          <a:ln>
+            <a:noFill/>
+          </a:ln>
+        </p:spPr>
+        <p:txBody>
+          <a:bodyPr spcFirstLastPara="1" wrap="square" lIns="0" tIns="0" rIns="0" bIns="0" anchor="t" anchorCtr="0">
+            <a:spAutoFit/>
+          </a:bodyPr>
+          <a:lstStyle/>
+          <a:p>
+            <a:pPr marL="0" marR="0" lvl="0" indent="0" algn="l" rtl="0">
+              <a:lnSpc>
+                <a:spcPct val="120000"/>
+              </a:lnSpc>
+              <a:spcBef>
+                <a:spcPts val="0"/>
+              </a:spcBef>
+              <a:spcAft>
+                <a:spcPts val="0"/>
+              </a:spcAft>
+              <a:buNone/>
+            </a:pPr>
+            <a:r>
+              <a:rPr lang="en-US" sz="1400" b="0" i="0" u="none" strike="noStrike" cap="none" dirty="0">
+                <a:solidFill>
+                  <a:srgbClr val="0C0C0C"/>
+                </a:solidFill>
+                <a:latin typeface="Arial"/>
+                <a:ea typeface="Arial"/>
+                <a:cs typeface="Arial"/>
+                <a:sym typeface="Arial"/>
+              </a:rPr>
+              <a:t>BIGDATA</a:t>
+            </a:r>
+          </a:p>
+        </p:txBody>
+      </p:sp>
+      <p:sp>
+        <p:nvSpPr>
+          <p:cNvPr id="11" name="Retângulo 10">
+            <a:extLst>
+              <a:ext uri="{FF2B5EF4-FFF2-40B4-BE49-F238E27FC236}">
+                <a16:creationId xmlns:a16="http://schemas.microsoft.com/office/drawing/2014/main" id="{DB84F9D6-D65D-DBF6-4B51-2A206EA5CB46}"/>
+              </a:ext>
+            </a:extLst>
+          </p:cNvPr>
+          <p:cNvSpPr/>
+          <p:nvPr/>
+        </p:nvSpPr>
+        <p:spPr>
+          <a:xfrm>
+            <a:off x="732265" y="453072"/>
+            <a:ext cx="16445528" cy="1200329"/>
+          </a:xfrm>
+          <a:prstGeom prst="rect">
+            <a:avLst/>
+          </a:prstGeom>
+          <a:noFill/>
+        </p:spPr>
+        <p:txBody>
+          <a:bodyPr wrap="square" lIns="91440" tIns="45720" rIns="91440" bIns="45720">
+            <a:spAutoFit/>
+          </a:bodyPr>
+          <a:lstStyle/>
+          <a:p>
+            <a:r>
+              <a:rPr lang="pt-BR" sz="7200" b="1" dirty="0">
+                <a:ln w="0"/>
+                <a:solidFill>
+                  <a:srgbClr val="416D3F"/>
+                </a:solidFill>
+                <a:effectLst>
+                  <a:outerShdw blurRad="50800" dist="38100" dir="10800000" algn="r" rotWithShape="0">
+                    <a:prstClr val="black">
+                      <a:alpha val="40000"/>
+                    </a:prstClr>
+                  </a:outerShdw>
+                </a:effectLst>
+              </a:rPr>
+              <a:t>Mapa de Calor (Paraná)</a:t>
+            </a:r>
+          </a:p>
+        </p:txBody>
+      </p:sp>
+      <p:sp>
+        <p:nvSpPr>
+          <p:cNvPr id="4" name="CaixaDeTexto 3">
+            <a:extLst>
+              <a:ext uri="{FF2B5EF4-FFF2-40B4-BE49-F238E27FC236}">
+                <a16:creationId xmlns:a16="http://schemas.microsoft.com/office/drawing/2014/main" id="{C8687AF3-847C-054C-7BA7-8DA2BC7929D1}"/>
+              </a:ext>
+            </a:extLst>
+          </p:cNvPr>
+          <p:cNvSpPr txBox="1"/>
+          <p:nvPr/>
+        </p:nvSpPr>
+        <p:spPr>
+          <a:xfrm>
+            <a:off x="2697778" y="8031252"/>
+            <a:ext cx="9398158" cy="523220"/>
+          </a:xfrm>
+          <a:prstGeom prst="rect">
+            <a:avLst/>
+          </a:prstGeom>
+          <a:noFill/>
+        </p:spPr>
+        <p:txBody>
+          <a:bodyPr wrap="square" rtlCol="0">
+            <a:spAutoFit/>
+          </a:bodyPr>
+          <a:lstStyle/>
+          <a:p>
+            <a:r>
+              <a:rPr lang="pt-BR" sz="2800" dirty="0"/>
+              <a:t>Concentração na capital e Rodovias principais</a:t>
+            </a:r>
+          </a:p>
+        </p:txBody>
+      </p:sp>
+      <p:pic>
+        <p:nvPicPr>
+          <p:cNvPr id="3" name="Imagem 2">
+            <a:extLst>
+              <a:ext uri="{FF2B5EF4-FFF2-40B4-BE49-F238E27FC236}">
+                <a16:creationId xmlns:a16="http://schemas.microsoft.com/office/drawing/2014/main" id="{33E2ED4E-6D7F-4E6A-09D0-CD09BF95A2B2}"/>
+              </a:ext>
+            </a:extLst>
+          </p:cNvPr>
+          <p:cNvPicPr>
+            <a:picLocks noChangeAspect="1"/>
+          </p:cNvPicPr>
+          <p:nvPr/>
+        </p:nvPicPr>
+        <p:blipFill>
+          <a:blip r:embed="rId4"/>
+          <a:stretch>
+            <a:fillRect/>
+          </a:stretch>
+        </p:blipFill>
+        <p:spPr>
+          <a:xfrm>
+            <a:off x="2697778" y="2422221"/>
+            <a:ext cx="11427655" cy="5422184"/>
+          </a:xfrm>
+          <a:prstGeom prst="rect">
+            <a:avLst/>
+          </a:prstGeom>
+        </p:spPr>
+      </p:pic>
+    </p:spTree>
+    <p:extLst>
+      <p:ext uri="{BB962C8B-B14F-4D97-AF65-F5344CB8AC3E}">
+        <p14:creationId xmlns:p14="http://schemas.microsoft.com/office/powerpoint/2010/main" val="678588632"/>
+      </p:ext>
+    </p:extLst>
+  </p:cSld>
+  <p:clrMapOvr>
+    <a:masterClrMapping/>
+  </p:clrMapOvr>
+</p:sld>
+</file>
+
+<file path=ppt/slides/slide14.xml><?xml version="1.0" encoding="utf-8"?>
+<p:sld xmlns:a="http://schemas.openxmlformats.org/drawingml/2006/main" xmlns:r="http://schemas.openxmlformats.org/officeDocument/2006/relationships" xmlns:p="http://schemas.openxmlformats.org/presentationml/2006/main">
+  <p:cSld>
+    <p:spTree>
+      <p:nvGrpSpPr>
+        <p:cNvPr id="1" name="Shape 105">
+          <a:extLst>
+            <a:ext uri="{FF2B5EF4-FFF2-40B4-BE49-F238E27FC236}">
+              <a16:creationId xmlns:a16="http://schemas.microsoft.com/office/drawing/2014/main" id="{3ADA8153-08FA-07C7-BACE-A41564B85DC6}"/>
+            </a:ext>
+          </a:extLst>
+        </p:cNvPr>
+        <p:cNvGrpSpPr/>
+        <p:nvPr/>
+      </p:nvGrpSpPr>
+      <p:grpSpPr>
+        <a:xfrm>
+          <a:off x="0" y="0"/>
+          <a:ext cx="0" cy="0"/>
+          <a:chOff x="0" y="0"/>
+          <a:chExt cx="0" cy="0"/>
+        </a:xfrm>
+      </p:grpSpPr>
+      <p:pic>
+        <p:nvPicPr>
+          <p:cNvPr id="109" name="Google Shape;109;p14">
+            <a:extLst>
+              <a:ext uri="{FF2B5EF4-FFF2-40B4-BE49-F238E27FC236}">
+                <a16:creationId xmlns:a16="http://schemas.microsoft.com/office/drawing/2014/main" id="{9ABDFE3D-0E87-EDFE-CC83-D065D475B0E3}"/>
+              </a:ext>
+            </a:extLst>
+          </p:cNvPr>
+          <p:cNvPicPr preferRelativeResize="0"/>
+          <p:nvPr/>
+        </p:nvPicPr>
+        <p:blipFill rotWithShape="1">
+          <a:blip r:embed="rId3">
+            <a:alphaModFix/>
+          </a:blip>
+          <a:srcRect/>
+          <a:stretch/>
+        </p:blipFill>
+        <p:spPr>
+          <a:xfrm>
+            <a:off x="16078200" y="132331"/>
+            <a:ext cx="1977483" cy="1684851"/>
+          </a:xfrm>
+          <a:prstGeom prst="rect">
+            <a:avLst/>
+          </a:prstGeom>
+          <a:noFill/>
+          <a:ln>
+            <a:noFill/>
+          </a:ln>
+        </p:spPr>
+      </p:pic>
+      <p:sp>
+        <p:nvSpPr>
+          <p:cNvPr id="113" name="Google Shape;113;p14">
+            <a:extLst>
+              <a:ext uri="{FF2B5EF4-FFF2-40B4-BE49-F238E27FC236}">
+                <a16:creationId xmlns:a16="http://schemas.microsoft.com/office/drawing/2014/main" id="{25B7A042-91CD-AC38-79AB-F6A21116F158}"/>
+              </a:ext>
+            </a:extLst>
+          </p:cNvPr>
+          <p:cNvSpPr txBox="1"/>
+          <p:nvPr/>
+        </p:nvSpPr>
+        <p:spPr>
+          <a:xfrm>
+            <a:off x="152400" y="9944100"/>
+            <a:ext cx="6899312" cy="258532"/>
+          </a:xfrm>
+          <a:prstGeom prst="rect">
+            <a:avLst/>
+          </a:prstGeom>
+          <a:noFill/>
+          <a:ln>
+            <a:noFill/>
+          </a:ln>
+        </p:spPr>
+        <p:txBody>
+          <a:bodyPr spcFirstLastPara="1" wrap="square" lIns="0" tIns="0" rIns="0" bIns="0" anchor="t" anchorCtr="0">
+            <a:spAutoFit/>
+          </a:bodyPr>
+          <a:lstStyle/>
+          <a:p>
+            <a:pPr marL="0" marR="0" lvl="0" indent="0" algn="l" rtl="0">
+              <a:lnSpc>
+                <a:spcPct val="120000"/>
+              </a:lnSpc>
+              <a:spcBef>
+                <a:spcPts val="0"/>
+              </a:spcBef>
+              <a:spcAft>
+                <a:spcPts val="0"/>
+              </a:spcAft>
+              <a:buNone/>
+            </a:pPr>
+            <a:r>
+              <a:rPr lang="en-US" sz="1400" b="0" i="0" u="none" strike="noStrike" cap="none" dirty="0">
+                <a:solidFill>
+                  <a:srgbClr val="0C0C0C"/>
+                </a:solidFill>
+                <a:latin typeface="Arial"/>
+                <a:ea typeface="Arial"/>
+                <a:cs typeface="Arial"/>
+                <a:sym typeface="Arial"/>
+              </a:rPr>
+              <a:t>BIGDATA</a:t>
+            </a:r>
+          </a:p>
+        </p:txBody>
+      </p:sp>
+      <p:sp>
+        <p:nvSpPr>
+          <p:cNvPr id="11" name="Retângulo 10">
+            <a:extLst>
+              <a:ext uri="{FF2B5EF4-FFF2-40B4-BE49-F238E27FC236}">
+                <a16:creationId xmlns:a16="http://schemas.microsoft.com/office/drawing/2014/main" id="{17D6DFC2-9B40-7394-9C4F-349F5783E37D}"/>
+              </a:ext>
+            </a:extLst>
+          </p:cNvPr>
+          <p:cNvSpPr/>
+          <p:nvPr/>
+        </p:nvSpPr>
+        <p:spPr>
+          <a:xfrm>
+            <a:off x="732265" y="453072"/>
+            <a:ext cx="16445528" cy="3416320"/>
+          </a:xfrm>
+          <a:prstGeom prst="rect">
+            <a:avLst/>
+          </a:prstGeom>
+          <a:noFill/>
+        </p:spPr>
+        <p:txBody>
+          <a:bodyPr wrap="square" lIns="91440" tIns="45720" rIns="91440" bIns="45720">
+            <a:spAutoFit/>
+          </a:bodyPr>
+          <a:lstStyle/>
+          <a:p>
+            <a:r>
+              <a:rPr lang="pt-BR" sz="7200" b="1" dirty="0">
+                <a:ln w="0"/>
+                <a:solidFill>
+                  <a:srgbClr val="416D3F"/>
+                </a:solidFill>
+                <a:effectLst>
+                  <a:outerShdw blurRad="50800" dist="38100" dir="10800000" algn="r" rotWithShape="0">
+                    <a:prstClr val="black">
+                      <a:alpha val="40000"/>
+                    </a:prstClr>
+                  </a:outerShdw>
+                </a:effectLst>
+              </a:rPr>
+              <a:t>Etapa 4</a:t>
+            </a:r>
+          </a:p>
+          <a:p>
+            <a:r>
+              <a:rPr lang="pt-BR" sz="7200" b="1" dirty="0">
+                <a:ln w="0"/>
+                <a:solidFill>
+                  <a:srgbClr val="416D3F"/>
+                </a:solidFill>
+                <a:effectLst>
+                  <a:outerShdw blurRad="50800" dist="38100" dir="10800000" algn="r" rotWithShape="0">
+                    <a:prstClr val="black">
+                      <a:alpha val="40000"/>
+                    </a:prstClr>
+                  </a:outerShdw>
+                </a:effectLst>
+              </a:rPr>
+              <a:t>Mineração de Texto </a:t>
+            </a:r>
+          </a:p>
+          <a:p>
+            <a:r>
+              <a:rPr lang="pt-BR" sz="7200" b="1" dirty="0">
+                <a:ln w="0"/>
+                <a:solidFill>
+                  <a:srgbClr val="416D3F"/>
+                </a:solidFill>
+                <a:effectLst>
+                  <a:outerShdw blurRad="50800" dist="38100" dir="10800000" algn="r" rotWithShape="0">
+                    <a:prstClr val="black">
+                      <a:alpha val="40000"/>
+                    </a:prstClr>
+                  </a:outerShdw>
+                </a:effectLst>
+              </a:rPr>
+              <a:t>(Web Mining + NLP)</a:t>
+            </a:r>
+          </a:p>
+        </p:txBody>
+      </p:sp>
+      <p:sp>
+        <p:nvSpPr>
+          <p:cNvPr id="2" name="CaixaDeTexto 1">
+            <a:extLst>
+              <a:ext uri="{FF2B5EF4-FFF2-40B4-BE49-F238E27FC236}">
+                <a16:creationId xmlns:a16="http://schemas.microsoft.com/office/drawing/2014/main" id="{A404C74F-81BB-C0D0-8436-E445CD4A6FEA}"/>
+              </a:ext>
+            </a:extLst>
+          </p:cNvPr>
+          <p:cNvSpPr txBox="1"/>
+          <p:nvPr/>
+        </p:nvSpPr>
+        <p:spPr>
+          <a:xfrm>
+            <a:off x="600501" y="4449170"/>
+            <a:ext cx="15804108" cy="2246769"/>
+          </a:xfrm>
+          <a:prstGeom prst="rect">
+            <a:avLst/>
+          </a:prstGeom>
+          <a:noFill/>
+        </p:spPr>
+        <p:txBody>
+          <a:bodyPr wrap="square" rtlCol="0">
+            <a:spAutoFit/>
+          </a:bodyPr>
+          <a:lstStyle/>
+          <a:p>
+            <a:pPr marL="457200" indent="-457200">
+              <a:buFont typeface="Arial" panose="020B0604020202020204" pitchFamily="34" charset="0"/>
+              <a:buChar char="•"/>
+            </a:pPr>
+            <a:r>
+              <a:rPr lang="pt-BR" sz="2800" dirty="0"/>
+              <a:t>Simulação de coleta de notícias do G1</a:t>
+            </a:r>
+          </a:p>
+          <a:p>
+            <a:pPr marL="457200" indent="-457200">
+              <a:buFont typeface="Arial" panose="020B0604020202020204" pitchFamily="34" charset="0"/>
+              <a:buChar char="•"/>
+            </a:pPr>
+            <a:r>
+              <a:rPr lang="pt-BR" sz="2800" dirty="0"/>
+              <a:t>Tokenização com NLTK</a:t>
+            </a:r>
+          </a:p>
+          <a:p>
+            <a:pPr marL="457200" indent="-457200">
+              <a:buFont typeface="Arial" panose="020B0604020202020204" pitchFamily="34" charset="0"/>
+              <a:buChar char="•"/>
+            </a:pPr>
+            <a:r>
+              <a:rPr lang="pt-BR" sz="2800" dirty="0"/>
+              <a:t>Identificação de termos-chave:</a:t>
+            </a:r>
+          </a:p>
+          <a:p>
+            <a:pPr marL="457200" indent="-457200">
+              <a:buFont typeface="Arial" panose="020B0604020202020204" pitchFamily="34" charset="0"/>
+              <a:buChar char="•"/>
+            </a:pPr>
+            <a:r>
+              <a:rPr lang="pt-BR" sz="2800" dirty="0"/>
+              <a:t>Ex.: </a:t>
+            </a:r>
+            <a:r>
+              <a:rPr lang="pt-BR" sz="2800" i="1" dirty="0"/>
+              <a:t>acidente, mortos, feridos, colisão…</a:t>
+            </a:r>
+            <a:endParaRPr lang="pt-BR" sz="2800" dirty="0"/>
+          </a:p>
+          <a:p>
+            <a:pPr marL="457200" indent="-457200">
+              <a:buFont typeface="Arial" panose="020B0604020202020204" pitchFamily="34" charset="0"/>
+              <a:buChar char="•"/>
+            </a:pPr>
+            <a:r>
+              <a:rPr lang="pt-BR" sz="2800" dirty="0"/>
+              <a:t>Esses termos reforçam os padrões encontrados nos dados estruturados.</a:t>
+            </a:r>
+          </a:p>
+        </p:txBody>
+      </p:sp>
+    </p:spTree>
+    <p:extLst>
+      <p:ext uri="{BB962C8B-B14F-4D97-AF65-F5344CB8AC3E}">
+        <p14:creationId xmlns:p14="http://schemas.microsoft.com/office/powerpoint/2010/main" val="243038713"/>
+      </p:ext>
+    </p:extLst>
+  </p:cSld>
+  <p:clrMapOvr>
+    <a:masterClrMapping/>
+  </p:clrMapOvr>
+</p:sld>
+</file>
+
+<file path=ppt/slides/slide15.xml><?xml version="1.0" encoding="utf-8"?>
+<p:sld xmlns:a="http://schemas.openxmlformats.org/drawingml/2006/main" xmlns:r="http://schemas.openxmlformats.org/officeDocument/2006/relationships" xmlns:p="http://schemas.openxmlformats.org/presentationml/2006/main">
+  <p:cSld>
+    <p:spTree>
+      <p:nvGrpSpPr>
+        <p:cNvPr id="1" name="Shape 105">
+          <a:extLst>
+            <a:ext uri="{FF2B5EF4-FFF2-40B4-BE49-F238E27FC236}">
+              <a16:creationId xmlns:a16="http://schemas.microsoft.com/office/drawing/2014/main" id="{CDC409AE-F4F8-9F34-8BE5-5E015CEADC79}"/>
+            </a:ext>
+          </a:extLst>
+        </p:cNvPr>
+        <p:cNvGrpSpPr/>
+        <p:nvPr/>
+      </p:nvGrpSpPr>
+      <p:grpSpPr>
+        <a:xfrm>
+          <a:off x="0" y="0"/>
+          <a:ext cx="0" cy="0"/>
+          <a:chOff x="0" y="0"/>
+          <a:chExt cx="0" cy="0"/>
+        </a:xfrm>
+      </p:grpSpPr>
+      <p:pic>
+        <p:nvPicPr>
+          <p:cNvPr id="109" name="Google Shape;109;p14">
+            <a:extLst>
+              <a:ext uri="{FF2B5EF4-FFF2-40B4-BE49-F238E27FC236}">
+                <a16:creationId xmlns:a16="http://schemas.microsoft.com/office/drawing/2014/main" id="{2973F10E-3BCF-5EC5-CC31-6AFEB6599BE4}"/>
+              </a:ext>
+            </a:extLst>
+          </p:cNvPr>
+          <p:cNvPicPr preferRelativeResize="0"/>
+          <p:nvPr/>
+        </p:nvPicPr>
+        <p:blipFill rotWithShape="1">
+          <a:blip r:embed="rId3">
+            <a:alphaModFix/>
+          </a:blip>
+          <a:srcRect/>
+          <a:stretch/>
+        </p:blipFill>
+        <p:spPr>
+          <a:xfrm>
+            <a:off x="16078200" y="132331"/>
+            <a:ext cx="1977483" cy="1684851"/>
+          </a:xfrm>
+          <a:prstGeom prst="rect">
+            <a:avLst/>
+          </a:prstGeom>
+          <a:noFill/>
+          <a:ln>
+            <a:noFill/>
+          </a:ln>
+        </p:spPr>
+      </p:pic>
+      <p:sp>
+        <p:nvSpPr>
+          <p:cNvPr id="113" name="Google Shape;113;p14">
+            <a:extLst>
+              <a:ext uri="{FF2B5EF4-FFF2-40B4-BE49-F238E27FC236}">
+                <a16:creationId xmlns:a16="http://schemas.microsoft.com/office/drawing/2014/main" id="{4B14454A-8E6F-5FB1-C4A4-8716BEC336F5}"/>
+              </a:ext>
+            </a:extLst>
+          </p:cNvPr>
+          <p:cNvSpPr txBox="1"/>
+          <p:nvPr/>
+        </p:nvSpPr>
+        <p:spPr>
+          <a:xfrm>
+            <a:off x="152400" y="9944100"/>
+            <a:ext cx="6899312" cy="258532"/>
+          </a:xfrm>
+          <a:prstGeom prst="rect">
+            <a:avLst/>
+          </a:prstGeom>
+          <a:noFill/>
+          <a:ln>
+            <a:noFill/>
+          </a:ln>
+        </p:spPr>
+        <p:txBody>
+          <a:bodyPr spcFirstLastPara="1" wrap="square" lIns="0" tIns="0" rIns="0" bIns="0" anchor="t" anchorCtr="0">
+            <a:spAutoFit/>
+          </a:bodyPr>
+          <a:lstStyle/>
+          <a:p>
+            <a:pPr marL="0" marR="0" lvl="0" indent="0" algn="l" rtl="0">
+              <a:lnSpc>
+                <a:spcPct val="120000"/>
+              </a:lnSpc>
+              <a:spcBef>
+                <a:spcPts val="0"/>
+              </a:spcBef>
+              <a:spcAft>
+                <a:spcPts val="0"/>
+              </a:spcAft>
+              <a:buNone/>
+            </a:pPr>
+            <a:r>
+              <a:rPr lang="en-US" sz="1400" b="0" i="0" u="none" strike="noStrike" cap="none" dirty="0">
+                <a:solidFill>
+                  <a:srgbClr val="0C0C0C"/>
+                </a:solidFill>
+                <a:latin typeface="Arial"/>
+                <a:ea typeface="Arial"/>
+                <a:cs typeface="Arial"/>
+                <a:sym typeface="Arial"/>
+              </a:rPr>
+              <a:t>BIGDATA</a:t>
+            </a:r>
+          </a:p>
+        </p:txBody>
+      </p:sp>
+      <p:sp>
+        <p:nvSpPr>
+          <p:cNvPr id="11" name="Retângulo 10">
+            <a:extLst>
+              <a:ext uri="{FF2B5EF4-FFF2-40B4-BE49-F238E27FC236}">
+                <a16:creationId xmlns:a16="http://schemas.microsoft.com/office/drawing/2014/main" id="{42B0CA9D-F248-23B2-F438-ACEE9CF7787F}"/>
+              </a:ext>
+            </a:extLst>
+          </p:cNvPr>
+          <p:cNvSpPr/>
+          <p:nvPr/>
+        </p:nvSpPr>
+        <p:spPr>
+          <a:xfrm>
+            <a:off x="732265" y="453072"/>
+            <a:ext cx="16445528" cy="1200329"/>
+          </a:xfrm>
+          <a:prstGeom prst="rect">
+            <a:avLst/>
+          </a:prstGeom>
+          <a:noFill/>
+        </p:spPr>
+        <p:txBody>
+          <a:bodyPr wrap="square" lIns="91440" tIns="45720" rIns="91440" bIns="45720">
+            <a:spAutoFit/>
+          </a:bodyPr>
+          <a:lstStyle/>
+          <a:p>
+            <a:r>
+              <a:rPr lang="pt-BR" sz="7200" b="1" dirty="0">
+                <a:ln w="0"/>
+                <a:solidFill>
+                  <a:srgbClr val="416D3F"/>
+                </a:solidFill>
+                <a:effectLst>
+                  <a:outerShdw blurRad="50800" dist="38100" dir="10800000" algn="r" rotWithShape="0">
+                    <a:prstClr val="black">
+                      <a:alpha val="40000"/>
+                    </a:prstClr>
+                  </a:outerShdw>
+                </a:effectLst>
+              </a:rPr>
+              <a:t>Top 10 Features mais Importantes</a:t>
+            </a:r>
+          </a:p>
+        </p:txBody>
+      </p:sp>
+      <p:sp>
+        <p:nvSpPr>
+          <p:cNvPr id="2" name="CaixaDeTexto 1">
+            <a:extLst>
+              <a:ext uri="{FF2B5EF4-FFF2-40B4-BE49-F238E27FC236}">
+                <a16:creationId xmlns:a16="http://schemas.microsoft.com/office/drawing/2014/main" id="{9EF1ACA5-FF3E-B644-2C03-AFDEF67D6864}"/>
+              </a:ext>
+            </a:extLst>
+          </p:cNvPr>
+          <p:cNvSpPr txBox="1"/>
+          <p:nvPr/>
+        </p:nvSpPr>
+        <p:spPr>
+          <a:xfrm>
+            <a:off x="2251575" y="7156272"/>
+            <a:ext cx="15804108" cy="2677656"/>
+          </a:xfrm>
+          <a:prstGeom prst="rect">
+            <a:avLst/>
+          </a:prstGeom>
+          <a:noFill/>
+        </p:spPr>
+        <p:txBody>
+          <a:bodyPr wrap="square" rtlCol="0">
+            <a:spAutoFit/>
+          </a:bodyPr>
+          <a:lstStyle/>
+          <a:p>
+            <a:r>
+              <a:rPr lang="pt-BR" sz="2800" dirty="0"/>
+              <a:t>Variáveis mais importantes: </a:t>
+            </a:r>
+          </a:p>
+          <a:p>
+            <a:pPr marL="457200" indent="-457200">
+              <a:buFont typeface="Arial" panose="020B0604020202020204" pitchFamily="34" charset="0"/>
+              <a:buChar char="•"/>
+            </a:pPr>
+            <a:r>
+              <a:rPr lang="pt-BR" sz="2800" dirty="0"/>
+              <a:t>Tipo de acidente</a:t>
+            </a:r>
+          </a:p>
+          <a:p>
+            <a:pPr marL="457200" indent="-457200">
+              <a:buFont typeface="Arial" panose="020B0604020202020204" pitchFamily="34" charset="0"/>
+              <a:buChar char="•"/>
+            </a:pPr>
+            <a:r>
+              <a:rPr lang="pt-BR" sz="2800" dirty="0"/>
+              <a:t>Causa do acidente</a:t>
+            </a:r>
+          </a:p>
+          <a:p>
+            <a:pPr marL="457200" indent="-457200">
+              <a:buFont typeface="Arial" panose="020B0604020202020204" pitchFamily="34" charset="0"/>
+              <a:buChar char="•"/>
+            </a:pPr>
+            <a:r>
+              <a:rPr lang="pt-BR" sz="2800" dirty="0"/>
+              <a:t>Condição meteorológica</a:t>
+            </a:r>
+          </a:p>
+          <a:p>
+            <a:pPr marL="457200" indent="-457200">
+              <a:buFont typeface="Arial" panose="020B0604020202020204" pitchFamily="34" charset="0"/>
+              <a:buChar char="•"/>
+            </a:pPr>
+            <a:r>
+              <a:rPr lang="pt-BR" sz="2800" dirty="0"/>
+              <a:t>Fase do dia</a:t>
+            </a:r>
+          </a:p>
+          <a:p>
+            <a:pPr marL="457200" indent="-457200">
+              <a:buFont typeface="Arial" panose="020B0604020202020204" pitchFamily="34" charset="0"/>
+              <a:buChar char="•"/>
+            </a:pPr>
+            <a:r>
+              <a:rPr lang="pt-BR" sz="2800" dirty="0"/>
+              <a:t>UF</a:t>
+            </a:r>
+          </a:p>
+        </p:txBody>
+      </p:sp>
+      <p:pic>
+        <p:nvPicPr>
+          <p:cNvPr id="5" name="Imagem 4">
+            <a:extLst>
+              <a:ext uri="{FF2B5EF4-FFF2-40B4-BE49-F238E27FC236}">
+                <a16:creationId xmlns:a16="http://schemas.microsoft.com/office/drawing/2014/main" id="{3C828036-1B61-E789-3D2F-C015CFAF502E}"/>
+              </a:ext>
+            </a:extLst>
+          </p:cNvPr>
+          <p:cNvPicPr>
+            <a:picLocks noChangeAspect="1"/>
+          </p:cNvPicPr>
+          <p:nvPr/>
+        </p:nvPicPr>
+        <p:blipFill>
+          <a:blip r:embed="rId4"/>
+          <a:stretch>
+            <a:fillRect/>
+          </a:stretch>
+        </p:blipFill>
+        <p:spPr>
+          <a:xfrm>
+            <a:off x="2251574" y="1817182"/>
+            <a:ext cx="9512795" cy="5435883"/>
+          </a:xfrm>
+          <a:prstGeom prst="rect">
+            <a:avLst/>
+          </a:prstGeom>
+        </p:spPr>
+      </p:pic>
+    </p:spTree>
+    <p:extLst>
+      <p:ext uri="{BB962C8B-B14F-4D97-AF65-F5344CB8AC3E}">
+        <p14:creationId xmlns:p14="http://schemas.microsoft.com/office/powerpoint/2010/main" val="432116285"/>
+      </p:ext>
+    </p:extLst>
+  </p:cSld>
+  <p:clrMapOvr>
+    <a:masterClrMapping/>
+  </p:clrMapOvr>
+</p:sld>
+</file>
+
+<file path=ppt/slides/slide16.xml><?xml version="1.0" encoding="utf-8"?>
+<p:sld xmlns:a="http://schemas.openxmlformats.org/drawingml/2006/main" xmlns:r="http://schemas.openxmlformats.org/officeDocument/2006/relationships" xmlns:p="http://schemas.openxmlformats.org/presentationml/2006/main">
+  <p:cSld>
+    <p:spTree>
+      <p:nvGrpSpPr>
+        <p:cNvPr id="1" name="Shape 105">
+          <a:extLst>
+            <a:ext uri="{FF2B5EF4-FFF2-40B4-BE49-F238E27FC236}">
+              <a16:creationId xmlns:a16="http://schemas.microsoft.com/office/drawing/2014/main" id="{7E6BB342-0A11-6A25-420D-A505CCECB1D5}"/>
+            </a:ext>
+          </a:extLst>
+        </p:cNvPr>
+        <p:cNvGrpSpPr/>
+        <p:nvPr/>
+      </p:nvGrpSpPr>
+      <p:grpSpPr>
+        <a:xfrm>
+          <a:off x="0" y="0"/>
+          <a:ext cx="0" cy="0"/>
+          <a:chOff x="0" y="0"/>
+          <a:chExt cx="0" cy="0"/>
+        </a:xfrm>
+      </p:grpSpPr>
+      <p:pic>
+        <p:nvPicPr>
+          <p:cNvPr id="109" name="Google Shape;109;p14">
+            <a:extLst>
+              <a:ext uri="{FF2B5EF4-FFF2-40B4-BE49-F238E27FC236}">
+                <a16:creationId xmlns:a16="http://schemas.microsoft.com/office/drawing/2014/main" id="{0AFB6459-BA71-0264-1BFA-427FD6DEA4F4}"/>
+              </a:ext>
+            </a:extLst>
+          </p:cNvPr>
+          <p:cNvPicPr preferRelativeResize="0"/>
+          <p:nvPr/>
+        </p:nvPicPr>
+        <p:blipFill rotWithShape="1">
+          <a:blip r:embed="rId3">
+            <a:alphaModFix/>
+          </a:blip>
+          <a:srcRect/>
+          <a:stretch/>
+        </p:blipFill>
+        <p:spPr>
+          <a:xfrm>
+            <a:off x="16078200" y="132331"/>
+            <a:ext cx="1977483" cy="1684851"/>
+          </a:xfrm>
+          <a:prstGeom prst="rect">
+            <a:avLst/>
+          </a:prstGeom>
+          <a:noFill/>
+          <a:ln>
+            <a:noFill/>
+          </a:ln>
+        </p:spPr>
+      </p:pic>
+      <p:sp>
+        <p:nvSpPr>
+          <p:cNvPr id="113" name="Google Shape;113;p14">
+            <a:extLst>
+              <a:ext uri="{FF2B5EF4-FFF2-40B4-BE49-F238E27FC236}">
+                <a16:creationId xmlns:a16="http://schemas.microsoft.com/office/drawing/2014/main" id="{7E655CC8-AFF5-377F-D75E-B6D72D10FD34}"/>
+              </a:ext>
+            </a:extLst>
+          </p:cNvPr>
+          <p:cNvSpPr txBox="1"/>
+          <p:nvPr/>
+        </p:nvSpPr>
+        <p:spPr>
+          <a:xfrm>
+            <a:off x="152400" y="9944100"/>
+            <a:ext cx="6899312" cy="258532"/>
+          </a:xfrm>
+          <a:prstGeom prst="rect">
+            <a:avLst/>
+          </a:prstGeom>
+          <a:noFill/>
+          <a:ln>
+            <a:noFill/>
+          </a:ln>
+        </p:spPr>
+        <p:txBody>
+          <a:bodyPr spcFirstLastPara="1" wrap="square" lIns="0" tIns="0" rIns="0" bIns="0" anchor="t" anchorCtr="0">
+            <a:spAutoFit/>
+          </a:bodyPr>
+          <a:lstStyle/>
+          <a:p>
+            <a:pPr marL="0" marR="0" lvl="0" indent="0" algn="l" rtl="0">
+              <a:lnSpc>
+                <a:spcPct val="120000"/>
+              </a:lnSpc>
+              <a:spcBef>
+                <a:spcPts val="0"/>
+              </a:spcBef>
+              <a:spcAft>
+                <a:spcPts val="0"/>
+              </a:spcAft>
+              <a:buNone/>
+            </a:pPr>
+            <a:r>
+              <a:rPr lang="en-US" sz="1400" b="0" i="0" u="none" strike="noStrike" cap="none" dirty="0">
+                <a:solidFill>
+                  <a:srgbClr val="0C0C0C"/>
+                </a:solidFill>
+                <a:latin typeface="Arial"/>
+                <a:ea typeface="Arial"/>
+                <a:cs typeface="Arial"/>
+                <a:sym typeface="Arial"/>
+              </a:rPr>
+              <a:t>BIGDATA</a:t>
+            </a:r>
+          </a:p>
+        </p:txBody>
+      </p:sp>
+      <p:sp>
+        <p:nvSpPr>
+          <p:cNvPr id="11" name="Retângulo 10">
+            <a:extLst>
+              <a:ext uri="{FF2B5EF4-FFF2-40B4-BE49-F238E27FC236}">
+                <a16:creationId xmlns:a16="http://schemas.microsoft.com/office/drawing/2014/main" id="{1E9E6C92-B370-30FB-70F2-468022C79586}"/>
+              </a:ext>
+            </a:extLst>
+          </p:cNvPr>
+          <p:cNvSpPr/>
+          <p:nvPr/>
+        </p:nvSpPr>
+        <p:spPr>
+          <a:xfrm>
+            <a:off x="732265" y="453072"/>
+            <a:ext cx="16445528" cy="1200329"/>
+          </a:xfrm>
+          <a:prstGeom prst="rect">
+            <a:avLst/>
+          </a:prstGeom>
+          <a:noFill/>
+        </p:spPr>
+        <p:txBody>
+          <a:bodyPr wrap="square" lIns="91440" tIns="45720" rIns="91440" bIns="45720">
+            <a:spAutoFit/>
+          </a:bodyPr>
+          <a:lstStyle/>
+          <a:p>
+            <a:r>
+              <a:rPr lang="pt-BR" sz="7200" b="1" dirty="0">
+                <a:ln w="0"/>
+                <a:solidFill>
+                  <a:srgbClr val="416D3F"/>
+                </a:solidFill>
+                <a:effectLst>
+                  <a:outerShdw blurRad="50800" dist="38100" dir="10800000" algn="r" rotWithShape="0">
+                    <a:prstClr val="black">
+                      <a:alpha val="40000"/>
+                    </a:prstClr>
+                  </a:outerShdw>
+                </a:effectLst>
+              </a:rPr>
+              <a:t>Conclusão</a:t>
+            </a:r>
+          </a:p>
+        </p:txBody>
+      </p:sp>
+      <p:sp>
+        <p:nvSpPr>
+          <p:cNvPr id="2" name="CaixaDeTexto 1">
+            <a:extLst>
+              <a:ext uri="{FF2B5EF4-FFF2-40B4-BE49-F238E27FC236}">
+                <a16:creationId xmlns:a16="http://schemas.microsoft.com/office/drawing/2014/main" id="{215C7890-D045-713E-7CA2-737939EAAF83}"/>
+              </a:ext>
+            </a:extLst>
+          </p:cNvPr>
+          <p:cNvSpPr txBox="1"/>
+          <p:nvPr/>
+        </p:nvSpPr>
+        <p:spPr>
+          <a:xfrm>
+            <a:off x="1272300" y="2679807"/>
+            <a:ext cx="15804108" cy="1815882"/>
+          </a:xfrm>
+          <a:prstGeom prst="rect">
+            <a:avLst/>
+          </a:prstGeom>
+          <a:noFill/>
+        </p:spPr>
+        <p:txBody>
+          <a:bodyPr wrap="square" rtlCol="0">
+            <a:spAutoFit/>
+          </a:bodyPr>
+          <a:lstStyle/>
+          <a:p>
+            <a:pPr marL="457200" indent="-457200">
+              <a:buFont typeface="Arial" panose="020B0604020202020204" pitchFamily="34" charset="0"/>
+              <a:buChar char="•"/>
+            </a:pPr>
+            <a:r>
+              <a:rPr lang="pt-BR" sz="2800" dirty="0"/>
+              <a:t>O modelo foi capaz de identificar padrões de severidade.</a:t>
+            </a:r>
+          </a:p>
+          <a:p>
+            <a:pPr marL="457200" indent="-457200">
+              <a:buFont typeface="Arial" panose="020B0604020202020204" pitchFamily="34" charset="0"/>
+              <a:buChar char="•"/>
+            </a:pPr>
+            <a:r>
+              <a:rPr lang="pt-BR" sz="2800" dirty="0"/>
+              <a:t>Os mapas de calor permitiram </a:t>
+            </a:r>
+            <a:r>
+              <a:rPr lang="pt-BR" sz="2800" dirty="0" err="1"/>
+              <a:t>geolocalizar</a:t>
+            </a:r>
+            <a:r>
+              <a:rPr lang="pt-BR" sz="2800" dirty="0"/>
+              <a:t> áreas críticas.</a:t>
+            </a:r>
+          </a:p>
+          <a:p>
+            <a:pPr marL="457200" indent="-457200">
+              <a:buFont typeface="Arial" panose="020B0604020202020204" pitchFamily="34" charset="0"/>
+              <a:buChar char="•"/>
+            </a:pPr>
+            <a:r>
+              <a:rPr lang="pt-BR" sz="2800" dirty="0"/>
+              <a:t>A combinação de dados estruturados + NLP + ML trouxe insights mais completos.</a:t>
+            </a:r>
+          </a:p>
+          <a:p>
+            <a:pPr marL="457200" indent="-457200">
+              <a:buFont typeface="Arial" panose="020B0604020202020204" pitchFamily="34" charset="0"/>
+              <a:buChar char="•"/>
+            </a:pPr>
+            <a:r>
+              <a:rPr lang="pt-BR" sz="2800" dirty="0"/>
+              <a:t>Demonstração do ciclo completo de um pipeline Big Data.</a:t>
+            </a:r>
+          </a:p>
+        </p:txBody>
+      </p:sp>
+    </p:spTree>
+    <p:extLst>
+      <p:ext uri="{BB962C8B-B14F-4D97-AF65-F5344CB8AC3E}">
+        <p14:creationId xmlns:p14="http://schemas.microsoft.com/office/powerpoint/2010/main" val="3194893305"/>
+      </p:ext>
+    </p:extLst>
+  </p:cSld>
+  <p:clrMapOvr>
+    <a:masterClrMapping/>
+  </p:clrMapOvr>
+</p:sld>
+</file>
+
+<file path=ppt/slides/slide17.xml><?xml version="1.0" encoding="utf-8"?>
 <p:sld xmlns:a="http://schemas.openxmlformats.org/drawingml/2006/main" xmlns:r="http://schemas.openxmlformats.org/officeDocument/2006/relationships" xmlns:p="http://schemas.openxmlformats.org/presentationml/2006/main">
   <p:cSld>
     <p:bg>
@@ -14261,7 +15846,7 @@
               <a:buNone/>
             </a:pPr>
             <a:r>
-              <a:rPr lang="en-US" sz="1400" u="none">
+              <a:rPr lang="en-US" sz="1400" u="none" dirty="0">
                 <a:solidFill>
                   <a:srgbClr val="FFFFFF"/>
                 </a:solidFill>
@@ -14270,17 +15855,8 @@
                 <a:cs typeface="Arial"/>
                 <a:sym typeface="Arial"/>
               </a:rPr>
-              <a:t>INTRODUÇÃO A ENGENHARIA DE SOFTWARE</a:t>
+              <a:t>BIGDATA</a:t>
             </a:r>
-            <a:endParaRPr sz="1400" u="none" dirty="0">
-              <a:solidFill>
-                <a:srgbClr val="FFFFFF"/>
-              </a:solidFill>
-              <a:latin typeface="Arial"/>
-              <a:ea typeface="Arial"/>
-              <a:cs typeface="Arial"/>
-              <a:sym typeface="Arial"/>
-            </a:endParaRPr>
           </a:p>
         </p:txBody>
       </p:sp>
@@ -15355,6 +16931,97 @@
                       </p:childTnLst>
                     </p:cTn>
                   </p:par>
+                  <p:par>
+                    <p:cTn id="8" fill="hold">
+                      <p:stCondLst>
+                        <p:cond delay="indefinite"/>
+                      </p:stCondLst>
+                      <p:childTnLst>
+                        <p:par>
+                          <p:cTn id="9" fill="hold">
+                            <p:stCondLst>
+                              <p:cond delay="0"/>
+                            </p:stCondLst>
+                            <p:childTnLst>
+                              <p:par>
+                                <p:cTn id="10" presetID="2" presetClass="entr" presetSubtype="4" fill="hold" grpId="0" nodeType="clickEffect">
+                                  <p:stCondLst>
+                                    <p:cond delay="0"/>
+                                  </p:stCondLst>
+                                  <p:childTnLst>
+                                    <p:set>
+                                      <p:cBhvr>
+                                        <p:cTn id="11" dur="1" fill="hold">
+                                          <p:stCondLst>
+                                            <p:cond delay="0"/>
+                                          </p:stCondLst>
+                                        </p:cTn>
+                                        <p:tgtEl>
+                                          <p:spTgt spid="2"/>
+                                        </p:tgtEl>
+                                        <p:attrNameLst>
+                                          <p:attrName>style.visibility</p:attrName>
+                                        </p:attrNameLst>
+                                      </p:cBhvr>
+                                      <p:to>
+                                        <p:strVal val="visible"/>
+                                      </p:to>
+                                    </p:set>
+                                    <p:anim calcmode="lin" valueType="num">
+                                      <p:cBhvr additive="base">
+                                        <p:cTn id="12" dur="500" fill="hold"/>
+                                        <p:tgtEl>
+                                          <p:spTgt spid="2"/>
+                                        </p:tgtEl>
+                                        <p:attrNameLst>
+                                          <p:attrName>ppt_x</p:attrName>
+                                        </p:attrNameLst>
+                                      </p:cBhvr>
+                                      <p:tavLst>
+                                        <p:tav tm="0">
+                                          <p:val>
+                                            <p:strVal val="#ppt_x"/>
+                                          </p:val>
+                                        </p:tav>
+                                        <p:tav tm="100000">
+                                          <p:val>
+                                            <p:strVal val="#ppt_x"/>
+                                          </p:val>
+                                        </p:tav>
+                                      </p:tavLst>
+                                    </p:anim>
+                                    <p:anim calcmode="lin" valueType="num">
+                                      <p:cBhvr additive="base">
+                                        <p:cTn id="13" dur="500" fill="hold"/>
+                                        <p:tgtEl>
+                                          <p:spTgt spid="2"/>
+                                        </p:tgtEl>
+                                        <p:attrNameLst>
+                                          <p:attrName>ppt_y</p:attrName>
+                                        </p:attrNameLst>
+                                      </p:cBhvr>
+                                      <p:tavLst>
+                                        <p:tav tm="0">
+                                          <p:val>
+                                            <p:strVal val="1+#ppt_h/2"/>
+                                          </p:val>
+                                        </p:tav>
+                                        <p:tav tm="100000">
+                                          <p:val>
+                                            <p:strVal val="#ppt_y"/>
+                                          </p:val>
+                                        </p:tav>
+                                      </p:tavLst>
+                                    </p:anim>
+                                  </p:childTnLst>
+                                </p:cTn>
+                              </p:par>
+                            </p:childTnLst>
+                          </p:cTn>
+                        </p:par>
+                      </p:childTnLst>
+                    </p:cTn>
+                  </p:par>
                 </p:childTnLst>
               </p:cTn>
               <p:prevCondLst>
@@ -15376,6 +17043,9 @@
         </p:cTn>
       </p:par>
     </p:tnLst>
+    <p:bldLst>
+      <p:bldP spid="2" grpId="0"/>
+    </p:bldLst>
   </p:timing>
 </p:sld>
 </file>
@@ -15506,7 +17176,7 @@
                   <a:srgbClr val="191919"/>
                 </a:solidFill>
               </a:rPr>
-              <a:t>Junção dos arquivos (mais de X mil registros).</a:t>
+              <a:t>Junção dos arquivos (mais de 100 mil registros).</a:t>
             </a:r>
           </a:p>
           <a:p>
